--- a/Schneider-Logo.pptx
+++ b/Schneider-Logo.pptx
@@ -53,7 +53,7 @@
       </p:grpSpPr>
       <p:sp>
         <p:nvSpPr>
-          <p:cNvPr id="25" name="PlaceHolder 1"/>
+          <p:cNvPr id="26" name="PlaceHolder 1"/>
           <p:cNvSpPr>
             <a:spLocks noGrp="1"/>
           </p:cNvSpPr>
@@ -84,7 +84,7 @@
       </p:sp>
       <p:sp>
         <p:nvSpPr>
-          <p:cNvPr id="26" name="PlaceHolder 2"/>
+          <p:cNvPr id="27" name="PlaceHolder 2"/>
           <p:cNvSpPr>
             <a:spLocks noGrp="1"/>
           </p:cNvSpPr>
@@ -117,7 +117,7 @@
       </p:sp>
       <p:sp>
         <p:nvSpPr>
-          <p:cNvPr id="27" name="PlaceHolder 3"/>
+          <p:cNvPr id="28" name="PlaceHolder 3"/>
           <p:cNvSpPr>
             <a:spLocks noGrp="1"/>
           </p:cNvSpPr>
@@ -172,7 +172,7 @@
       </p:grpSpPr>
       <p:sp>
         <p:nvSpPr>
-          <p:cNvPr id="28" name="PlaceHolder 1"/>
+          <p:cNvPr id="29" name="PlaceHolder 1"/>
           <p:cNvSpPr>
             <a:spLocks noGrp="1"/>
           </p:cNvSpPr>
@@ -203,7 +203,7 @@
       </p:sp>
       <p:sp>
         <p:nvSpPr>
-          <p:cNvPr id="29" name="PlaceHolder 2"/>
+          <p:cNvPr id="30" name="PlaceHolder 2"/>
           <p:cNvSpPr>
             <a:spLocks noGrp="1"/>
           </p:cNvSpPr>
@@ -236,7 +236,7 @@
       </p:sp>
       <p:sp>
         <p:nvSpPr>
-          <p:cNvPr id="30" name="PlaceHolder 3"/>
+          <p:cNvPr id="31" name="PlaceHolder 3"/>
           <p:cNvSpPr>
             <a:spLocks noGrp="1"/>
           </p:cNvSpPr>
@@ -269,7 +269,7 @@
       </p:sp>
       <p:sp>
         <p:nvSpPr>
-          <p:cNvPr id="31" name="PlaceHolder 4"/>
+          <p:cNvPr id="32" name="PlaceHolder 4"/>
           <p:cNvSpPr>
             <a:spLocks noGrp="1"/>
           </p:cNvSpPr>
@@ -302,7 +302,7 @@
       </p:sp>
       <p:sp>
         <p:nvSpPr>
-          <p:cNvPr id="32" name="PlaceHolder 5"/>
+          <p:cNvPr id="33" name="PlaceHolder 5"/>
           <p:cNvSpPr>
             <a:spLocks noGrp="1"/>
           </p:cNvSpPr>
@@ -357,7 +357,7 @@
       </p:grpSpPr>
       <p:sp>
         <p:nvSpPr>
-          <p:cNvPr id="33" name="PlaceHolder 1"/>
+          <p:cNvPr id="34" name="PlaceHolder 1"/>
           <p:cNvSpPr>
             <a:spLocks noGrp="1"/>
           </p:cNvSpPr>
@@ -388,7 +388,7 @@
       </p:sp>
       <p:sp>
         <p:nvSpPr>
-          <p:cNvPr id="34" name="PlaceHolder 2"/>
+          <p:cNvPr id="35" name="PlaceHolder 2"/>
           <p:cNvSpPr>
             <a:spLocks noGrp="1"/>
           </p:cNvSpPr>
@@ -421,7 +421,7 @@
       </p:sp>
       <p:sp>
         <p:nvSpPr>
-          <p:cNvPr id="35" name="PlaceHolder 3"/>
+          <p:cNvPr id="36" name="PlaceHolder 3"/>
           <p:cNvSpPr>
             <a:spLocks noGrp="1"/>
           </p:cNvSpPr>
@@ -454,7 +454,7 @@
       </p:sp>
       <p:sp>
         <p:nvSpPr>
-          <p:cNvPr id="36" name="PlaceHolder 4"/>
+          <p:cNvPr id="37" name="PlaceHolder 4"/>
           <p:cNvSpPr>
             <a:spLocks noGrp="1"/>
           </p:cNvSpPr>
@@ -487,7 +487,7 @@
       </p:sp>
       <p:sp>
         <p:nvSpPr>
-          <p:cNvPr id="37" name="PlaceHolder 5"/>
+          <p:cNvPr id="38" name="PlaceHolder 5"/>
           <p:cNvSpPr>
             <a:spLocks noGrp="1"/>
           </p:cNvSpPr>
@@ -520,7 +520,7 @@
       </p:sp>
       <p:sp>
         <p:nvSpPr>
-          <p:cNvPr id="38" name="PlaceHolder 6"/>
+          <p:cNvPr id="39" name="PlaceHolder 6"/>
           <p:cNvSpPr>
             <a:spLocks noGrp="1"/>
           </p:cNvSpPr>
@@ -553,7 +553,7 @@
       </p:sp>
       <p:sp>
         <p:nvSpPr>
-          <p:cNvPr id="39" name="PlaceHolder 7"/>
+          <p:cNvPr id="40" name="PlaceHolder 7"/>
           <p:cNvSpPr>
             <a:spLocks noGrp="1"/>
           </p:cNvSpPr>
@@ -608,7 +608,7 @@
       </p:grpSpPr>
       <p:sp>
         <p:nvSpPr>
-          <p:cNvPr id="4" name="PlaceHolder 1"/>
+          <p:cNvPr id="5" name="PlaceHolder 1"/>
           <p:cNvSpPr>
             <a:spLocks noGrp="1"/>
           </p:cNvSpPr>
@@ -639,7 +639,7 @@
       </p:sp>
       <p:sp>
         <p:nvSpPr>
-          <p:cNvPr id="5" name="PlaceHolder 2"/>
+          <p:cNvPr id="6" name="PlaceHolder 2"/>
           <p:cNvSpPr>
             <a:spLocks noGrp="1"/>
           </p:cNvSpPr>
@@ -690,7 +690,7 @@
       </p:grpSpPr>
       <p:sp>
         <p:nvSpPr>
-          <p:cNvPr id="6" name="PlaceHolder 1"/>
+          <p:cNvPr id="7" name="PlaceHolder 1"/>
           <p:cNvSpPr>
             <a:spLocks noGrp="1"/>
           </p:cNvSpPr>
@@ -721,7 +721,7 @@
       </p:sp>
       <p:sp>
         <p:nvSpPr>
-          <p:cNvPr id="7" name="PlaceHolder 2"/>
+          <p:cNvPr id="8" name="PlaceHolder 2"/>
           <p:cNvSpPr>
             <a:spLocks noGrp="1"/>
           </p:cNvSpPr>
@@ -776,7 +776,7 @@
       </p:grpSpPr>
       <p:sp>
         <p:nvSpPr>
-          <p:cNvPr id="8" name="PlaceHolder 1"/>
+          <p:cNvPr id="9" name="PlaceHolder 1"/>
           <p:cNvSpPr>
             <a:spLocks noGrp="1"/>
           </p:cNvSpPr>
@@ -807,7 +807,7 @@
       </p:sp>
       <p:sp>
         <p:nvSpPr>
-          <p:cNvPr id="9" name="PlaceHolder 2"/>
+          <p:cNvPr id="10" name="PlaceHolder 2"/>
           <p:cNvSpPr>
             <a:spLocks noGrp="1"/>
           </p:cNvSpPr>
@@ -840,7 +840,7 @@
       </p:sp>
       <p:sp>
         <p:nvSpPr>
-          <p:cNvPr id="10" name="PlaceHolder 3"/>
+          <p:cNvPr id="11" name="PlaceHolder 3"/>
           <p:cNvSpPr>
             <a:spLocks noGrp="1"/>
           </p:cNvSpPr>
@@ -895,7 +895,7 @@
       </p:grpSpPr>
       <p:sp>
         <p:nvSpPr>
-          <p:cNvPr id="11" name="PlaceHolder 1"/>
+          <p:cNvPr id="12" name="PlaceHolder 1"/>
           <p:cNvSpPr>
             <a:spLocks noGrp="1"/>
           </p:cNvSpPr>
@@ -948,7 +948,7 @@
       </p:grpSpPr>
       <p:sp>
         <p:nvSpPr>
-          <p:cNvPr id="12" name="PlaceHolder 1"/>
+          <p:cNvPr id="13" name="PlaceHolder 1"/>
           <p:cNvSpPr>
             <a:spLocks noGrp="1"/>
           </p:cNvSpPr>
@@ -999,7 +999,7 @@
       </p:grpSpPr>
       <p:sp>
         <p:nvSpPr>
-          <p:cNvPr id="13" name="PlaceHolder 1"/>
+          <p:cNvPr id="14" name="PlaceHolder 1"/>
           <p:cNvSpPr>
             <a:spLocks noGrp="1"/>
           </p:cNvSpPr>
@@ -1030,7 +1030,7 @@
       </p:sp>
       <p:sp>
         <p:nvSpPr>
-          <p:cNvPr id="14" name="PlaceHolder 2"/>
+          <p:cNvPr id="15" name="PlaceHolder 2"/>
           <p:cNvSpPr>
             <a:spLocks noGrp="1"/>
           </p:cNvSpPr>
@@ -1063,7 +1063,7 @@
       </p:sp>
       <p:sp>
         <p:nvSpPr>
-          <p:cNvPr id="15" name="PlaceHolder 3"/>
+          <p:cNvPr id="16" name="PlaceHolder 3"/>
           <p:cNvSpPr>
             <a:spLocks noGrp="1"/>
           </p:cNvSpPr>
@@ -1096,7 +1096,7 @@
       </p:sp>
       <p:sp>
         <p:nvSpPr>
-          <p:cNvPr id="16" name="PlaceHolder 4"/>
+          <p:cNvPr id="17" name="PlaceHolder 4"/>
           <p:cNvSpPr>
             <a:spLocks noGrp="1"/>
           </p:cNvSpPr>
@@ -1151,7 +1151,7 @@
       </p:grpSpPr>
       <p:sp>
         <p:nvSpPr>
-          <p:cNvPr id="17" name="PlaceHolder 1"/>
+          <p:cNvPr id="18" name="PlaceHolder 1"/>
           <p:cNvSpPr>
             <a:spLocks noGrp="1"/>
           </p:cNvSpPr>
@@ -1182,7 +1182,7 @@
       </p:sp>
       <p:sp>
         <p:nvSpPr>
-          <p:cNvPr id="18" name="PlaceHolder 2"/>
+          <p:cNvPr id="19" name="PlaceHolder 2"/>
           <p:cNvSpPr>
             <a:spLocks noGrp="1"/>
           </p:cNvSpPr>
@@ -1215,7 +1215,7 @@
       </p:sp>
       <p:sp>
         <p:nvSpPr>
-          <p:cNvPr id="19" name="PlaceHolder 3"/>
+          <p:cNvPr id="20" name="PlaceHolder 3"/>
           <p:cNvSpPr>
             <a:spLocks noGrp="1"/>
           </p:cNvSpPr>
@@ -1248,7 +1248,7 @@
       </p:sp>
       <p:sp>
         <p:nvSpPr>
-          <p:cNvPr id="20" name="PlaceHolder 4"/>
+          <p:cNvPr id="21" name="PlaceHolder 4"/>
           <p:cNvSpPr>
             <a:spLocks noGrp="1"/>
           </p:cNvSpPr>
@@ -1303,7 +1303,7 @@
       </p:grpSpPr>
       <p:sp>
         <p:nvSpPr>
-          <p:cNvPr id="21" name="PlaceHolder 1"/>
+          <p:cNvPr id="22" name="PlaceHolder 1"/>
           <p:cNvSpPr>
             <a:spLocks noGrp="1"/>
           </p:cNvSpPr>
@@ -1334,7 +1334,7 @@
       </p:sp>
       <p:sp>
         <p:nvSpPr>
-          <p:cNvPr id="22" name="PlaceHolder 2"/>
+          <p:cNvPr id="23" name="PlaceHolder 2"/>
           <p:cNvSpPr>
             <a:spLocks noGrp="1"/>
           </p:cNvSpPr>
@@ -1367,7 +1367,7 @@
       </p:sp>
       <p:sp>
         <p:nvSpPr>
-          <p:cNvPr id="23" name="PlaceHolder 3"/>
+          <p:cNvPr id="24" name="PlaceHolder 3"/>
           <p:cNvSpPr>
             <a:spLocks noGrp="1"/>
           </p:cNvSpPr>
@@ -1400,7 +1400,7 @@
       </p:sp>
       <p:sp>
         <p:nvSpPr>
-          <p:cNvPr id="24" name="PlaceHolder 4"/>
+          <p:cNvPr id="25" name="PlaceHolder 4"/>
           <p:cNvSpPr>
             <a:spLocks noGrp="1"/>
           </p:cNvSpPr>
@@ -1532,7 +1532,7 @@
                 <a:spcPct val="100000"/>
               </a:lnSpc>
             </a:pPr>
-            <a:fld id="{2659A672-54AF-414A-BE02-7EE8D38EC6AD}" type="datetime">
+            <a:fld id="{5854BEF2-A119-4FB3-9874-0E5F4DAB0AB9}" type="datetime">
               <a:rPr b="0" lang="de-DE" sz="1200" spc="-1" strike="noStrike">
                 <a:solidFill>
                   <a:srgbClr val="8b8b8b"/>
@@ -1602,7 +1602,7 @@
                 <a:spcPct val="100000"/>
               </a:lnSpc>
             </a:pPr>
-            <a:fld id="{EAD96B3E-416D-4CBC-8446-C9CDBFA748D0}" type="slidenum">
+            <a:fld id="{1D47DC25-1459-46A6-91BE-371CCC10CD1E}" type="slidenum">
               <a:rPr b="0" lang="de-DE" sz="1200" spc="-1" strike="noStrike">
                 <a:solidFill>
                   <a:srgbClr val="8b8b8b"/>
@@ -1613,6 +1613,227 @@
             </a:fld>
             <a:endParaRPr b="0" lang="de-DE" sz="1200" spc="-1" strike="noStrike">
               <a:latin typeface="Times New Roman"/>
+            </a:endParaRPr>
+          </a:p>
+        </p:txBody>
+      </p:sp>
+      <p:sp>
+        <p:nvSpPr>
+          <p:cNvPr id="4" name="PlaceHolder 5"/>
+          <p:cNvSpPr>
+            <a:spLocks noGrp="1"/>
+          </p:cNvSpPr>
+          <p:nvPr>
+            <p:ph type="body"/>
+          </p:nvPr>
+        </p:nvSpPr>
+        <p:spPr>
+          <a:xfrm>
+            <a:off x="457200" y="1604520"/>
+            <a:ext cx="8229240" cy="3977280"/>
+          </a:xfrm>
+          <a:prstGeom prst="rect">
+            <a:avLst/>
+          </a:prstGeom>
+        </p:spPr>
+        <p:txBody>
+          <a:bodyPr lIns="0" rIns="0" tIns="0" bIns="0">
+            <a:normAutofit/>
+          </a:bodyPr>
+          <a:p>
+            <a:pPr marL="432000" indent="-324000">
+              <a:spcBef>
+                <a:spcPts val="1417"/>
+              </a:spcBef>
+              <a:buClr>
+                <a:srgbClr val="000000"/>
+              </a:buClr>
+              <a:buSzPct val="45000"/>
+              <a:buFont typeface="Wingdings" charset="2"/>
+              <a:buChar char=""/>
+            </a:pPr>
+            <a:r>
+              <a:rPr b="0" lang="de-DE" sz="3200" spc="-1" strike="noStrike">
+                <a:solidFill>
+                  <a:srgbClr val="000000"/>
+                </a:solidFill>
+                <a:latin typeface="Calibri"/>
+              </a:rPr>
+              <a:t>Format des Gliederungstextes durch Klicken bearbeiten</a:t>
+            </a:r>
+            <a:endParaRPr b="0" lang="de-DE" sz="3200" spc="-1" strike="noStrike">
+              <a:solidFill>
+                <a:srgbClr val="000000"/>
+              </a:solidFill>
+              <a:latin typeface="Calibri"/>
+            </a:endParaRPr>
+          </a:p>
+          <a:p>
+            <a:pPr lvl="1" marL="864000" indent="-324000">
+              <a:spcBef>
+                <a:spcPts val="1134"/>
+              </a:spcBef>
+              <a:buClr>
+                <a:srgbClr val="000000"/>
+              </a:buClr>
+              <a:buSzPct val="75000"/>
+              <a:buFont typeface="Symbol" charset="2"/>
+              <a:buChar char=""/>
+            </a:pPr>
+            <a:r>
+              <a:rPr b="0" lang="de-DE" sz="2400" spc="-1" strike="noStrike">
+                <a:solidFill>
+                  <a:srgbClr val="000000"/>
+                </a:solidFill>
+                <a:latin typeface="Calibri"/>
+              </a:rPr>
+              <a:t>Zweite Gliederungsebene</a:t>
+            </a:r>
+            <a:endParaRPr b="0" lang="de-DE" sz="2400" spc="-1" strike="noStrike">
+              <a:solidFill>
+                <a:srgbClr val="000000"/>
+              </a:solidFill>
+              <a:latin typeface="Calibri"/>
+            </a:endParaRPr>
+          </a:p>
+          <a:p>
+            <a:pPr lvl="2" marL="1296000" indent="-288000">
+              <a:spcBef>
+                <a:spcPts val="850"/>
+              </a:spcBef>
+              <a:buClr>
+                <a:srgbClr val="000000"/>
+              </a:buClr>
+              <a:buSzPct val="45000"/>
+              <a:buFont typeface="Wingdings" charset="2"/>
+              <a:buChar char=""/>
+            </a:pPr>
+            <a:r>
+              <a:rPr b="0" lang="de-DE" sz="2000" spc="-1" strike="noStrike">
+                <a:solidFill>
+                  <a:srgbClr val="000000"/>
+                </a:solidFill>
+                <a:latin typeface="Calibri"/>
+              </a:rPr>
+              <a:t>Dritte Gliederungsebene</a:t>
+            </a:r>
+            <a:endParaRPr b="0" lang="de-DE" sz="2000" spc="-1" strike="noStrike">
+              <a:solidFill>
+                <a:srgbClr val="000000"/>
+              </a:solidFill>
+              <a:latin typeface="Calibri"/>
+            </a:endParaRPr>
+          </a:p>
+          <a:p>
+            <a:pPr lvl="3" marL="1728000" indent="-216000">
+              <a:spcBef>
+                <a:spcPts val="567"/>
+              </a:spcBef>
+              <a:buClr>
+                <a:srgbClr val="000000"/>
+              </a:buClr>
+              <a:buSzPct val="75000"/>
+              <a:buFont typeface="Symbol" charset="2"/>
+              <a:buChar char=""/>
+            </a:pPr>
+            <a:r>
+              <a:rPr b="0" lang="de-DE" sz="2000" spc="-1" strike="noStrike">
+                <a:solidFill>
+                  <a:srgbClr val="000000"/>
+                </a:solidFill>
+                <a:latin typeface="Calibri"/>
+              </a:rPr>
+              <a:t>Vierte Gliederungsebene</a:t>
+            </a:r>
+            <a:endParaRPr b="0" lang="de-DE" sz="2000" spc="-1" strike="noStrike">
+              <a:solidFill>
+                <a:srgbClr val="000000"/>
+              </a:solidFill>
+              <a:latin typeface="Calibri"/>
+            </a:endParaRPr>
+          </a:p>
+          <a:p>
+            <a:pPr lvl="4" marL="2160000" indent="-216000">
+              <a:spcBef>
+                <a:spcPts val="283"/>
+              </a:spcBef>
+              <a:buClr>
+                <a:srgbClr val="000000"/>
+              </a:buClr>
+              <a:buSzPct val="45000"/>
+              <a:buFont typeface="Wingdings" charset="2"/>
+              <a:buChar char=""/>
+            </a:pPr>
+            <a:r>
+              <a:rPr b="0" lang="de-DE" sz="2000" spc="-1" strike="noStrike">
+                <a:solidFill>
+                  <a:srgbClr val="000000"/>
+                </a:solidFill>
+                <a:latin typeface="Calibri"/>
+              </a:rPr>
+              <a:t>Fünfte Gliederungsebene</a:t>
+            </a:r>
+            <a:endParaRPr b="0" lang="de-DE" sz="2000" spc="-1" strike="noStrike">
+              <a:solidFill>
+                <a:srgbClr val="000000"/>
+              </a:solidFill>
+              <a:latin typeface="Calibri"/>
+            </a:endParaRPr>
+          </a:p>
+          <a:p>
+            <a:pPr lvl="5" marL="2592000" indent="-216000">
+              <a:spcBef>
+                <a:spcPts val="283"/>
+              </a:spcBef>
+              <a:buClr>
+                <a:srgbClr val="000000"/>
+              </a:buClr>
+              <a:buSzPct val="45000"/>
+              <a:buFont typeface="Wingdings" charset="2"/>
+              <a:buChar char=""/>
+            </a:pPr>
+            <a:r>
+              <a:rPr b="0" lang="de-DE" sz="2000" spc="-1" strike="noStrike">
+                <a:solidFill>
+                  <a:srgbClr val="000000"/>
+                </a:solidFill>
+                <a:latin typeface="Calibri"/>
+              </a:rPr>
+              <a:t>Sechste Gliederungsebene</a:t>
+            </a:r>
+            <a:endParaRPr b="0" lang="de-DE" sz="2000" spc="-1" strike="noStrike">
+              <a:solidFill>
+                <a:srgbClr val="000000"/>
+              </a:solidFill>
+              <a:latin typeface="Calibri"/>
+            </a:endParaRPr>
+          </a:p>
+          <a:p>
+            <a:pPr lvl="6" marL="3024000" indent="-216000">
+              <a:spcBef>
+                <a:spcPts val="283"/>
+              </a:spcBef>
+              <a:buClr>
+                <a:srgbClr val="000000"/>
+              </a:buClr>
+              <a:buSzPct val="45000"/>
+              <a:buFont typeface="Wingdings" charset="2"/>
+              <a:buChar char=""/>
+            </a:pPr>
+            <a:r>
+              <a:rPr b="0" lang="de-DE" sz="2000" spc="-1" strike="noStrike">
+                <a:solidFill>
+                  <a:srgbClr val="000000"/>
+                </a:solidFill>
+                <a:latin typeface="Calibri"/>
+              </a:rPr>
+              <a:t>Siebte Gliederungsebene</a:t>
+            </a:r>
+            <a:endParaRPr b="0" lang="de-DE" sz="2000" spc="-1" strike="noStrike">
+              <a:solidFill>
+                <a:srgbClr val="000000"/>
+              </a:solidFill>
+              <a:latin typeface="Calibri"/>
             </a:endParaRPr>
           </a:p>
         </p:txBody>
@@ -1656,7 +1877,7 @@
       </p:grpSpPr>
       <p:sp>
         <p:nvSpPr>
-          <p:cNvPr id="40" name="CustomShape 1"/>
+          <p:cNvPr id="41" name="CustomShape 1"/>
           <p:cNvSpPr/>
           <p:nvPr/>
         </p:nvSpPr>
@@ -1695,7 +1916,7 @@
       </p:sp>
       <p:sp>
         <p:nvSpPr>
-          <p:cNvPr id="41" name="CustomShape 2"/>
+          <p:cNvPr id="42" name="CustomShape 2"/>
           <p:cNvSpPr/>
           <p:nvPr/>
         </p:nvSpPr>
@@ -1734,7 +1955,7 @@
       </p:sp>
       <p:sp>
         <p:nvSpPr>
-          <p:cNvPr id="42" name="CustomShape 3"/>
+          <p:cNvPr id="43" name="CustomShape 3"/>
           <p:cNvSpPr/>
           <p:nvPr/>
         </p:nvSpPr>
@@ -1773,7 +1994,7 @@
       </p:sp>
       <p:sp>
         <p:nvSpPr>
-          <p:cNvPr id="43" name="CustomShape 4"/>
+          <p:cNvPr id="44" name="CustomShape 4"/>
           <p:cNvSpPr/>
           <p:nvPr/>
         </p:nvSpPr>
@@ -1809,7 +2030,7 @@
       </p:sp>
       <p:sp>
         <p:nvSpPr>
-          <p:cNvPr id="44" name="CustomShape 5"/>
+          <p:cNvPr id="45" name="CustomShape 5"/>
           <p:cNvSpPr/>
           <p:nvPr/>
         </p:nvSpPr>
@@ -1845,7 +2066,7 @@
       </p:sp>
       <p:sp>
         <p:nvSpPr>
-          <p:cNvPr id="45" name="CustomShape 6"/>
+          <p:cNvPr id="46" name="CustomShape 6"/>
           <p:cNvSpPr/>
           <p:nvPr/>
         </p:nvSpPr>
@@ -1886,7 +2107,7 @@
       </p:sp>
       <p:sp>
         <p:nvSpPr>
-          <p:cNvPr id="46" name="CustomShape 7"/>
+          <p:cNvPr id="47" name="CustomShape 7"/>
           <p:cNvSpPr/>
           <p:nvPr/>
         </p:nvSpPr>
@@ -1925,7 +2146,7 @@
       </p:sp>
       <p:sp>
         <p:nvSpPr>
-          <p:cNvPr id="47" name="CustomShape 8"/>
+          <p:cNvPr id="48" name="CustomShape 8"/>
           <p:cNvSpPr/>
           <p:nvPr/>
         </p:nvSpPr>
